--- a/docs/OverDex_Presentation.pptx
+++ b/docs/OverDex_Presentation.pptx
@@ -10,10 +10,10 @@
     <p:sldId id="258" r:id="rId4"/>
     <p:sldId id="257" r:id="rId5"/>
     <p:sldId id="259" r:id="rId6"/>
-    <p:sldId id="262" r:id="rId7"/>
-    <p:sldId id="263" r:id="rId8"/>
-    <p:sldId id="267" r:id="rId9"/>
-    <p:sldId id="265" r:id="rId10"/>
+    <p:sldId id="265" r:id="rId7"/>
+    <p:sldId id="262" r:id="rId8"/>
+    <p:sldId id="263" r:id="rId9"/>
+    <p:sldId id="267" r:id="rId10"/>
     <p:sldId id="261" r:id="rId11"/>
   </p:sldIdLst>
   <p:sldSz cx="12192000" cy="6858000"/>
@@ -852,7 +852,7 @@
             <a:fld id="{B61BEF0D-F0BB-DE4B-95CE-6DB70DBA9567}" type="datetimeFigureOut">
               <a:rPr lang="en-US" dirty="0"/>
               <a:pPr/>
-              <a:t>4/15/19</a:t>
+              <a:t>4/17/19</a:t>
             </a:fld>
             <a:endParaRPr lang="en-US"/>
           </a:p>
@@ -1100,7 +1100,7 @@
             <a:fld id="{B61BEF0D-F0BB-DE4B-95CE-6DB70DBA9567}" type="datetimeFigureOut">
               <a:rPr lang="en-US" dirty="0"/>
               <a:pPr/>
-              <a:t>4/15/19</a:t>
+              <a:t>4/17/19</a:t>
             </a:fld>
             <a:endParaRPr lang="en-US"/>
           </a:p>
@@ -1411,7 +1411,7 @@
             <a:fld id="{B61BEF0D-F0BB-DE4B-95CE-6DB70DBA9567}" type="datetimeFigureOut">
               <a:rPr lang="en-US" dirty="0"/>
               <a:pPr/>
-              <a:t>4/15/19</a:t>
+              <a:t>4/17/19</a:t>
             </a:fld>
             <a:endParaRPr lang="en-US"/>
           </a:p>
@@ -1749,7 +1749,7 @@
             <a:fld id="{B61BEF0D-F0BB-DE4B-95CE-6DB70DBA9567}" type="datetimeFigureOut">
               <a:rPr lang="en-US" dirty="0"/>
               <a:pPr/>
-              <a:t>4/15/19</a:t>
+              <a:t>4/17/19</a:t>
             </a:fld>
             <a:endParaRPr lang="en-US"/>
           </a:p>
@@ -2060,7 +2060,7 @@
             <a:fld id="{B61BEF0D-F0BB-DE4B-95CE-6DB70DBA9567}" type="datetimeFigureOut">
               <a:rPr lang="en-US" dirty="0"/>
               <a:pPr/>
-              <a:t>4/15/19</a:t>
+              <a:t>4/17/19</a:t>
             </a:fld>
             <a:endParaRPr lang="en-US"/>
           </a:p>
@@ -2450,7 +2450,7 @@
             <a:fld id="{B61BEF0D-F0BB-DE4B-95CE-6DB70DBA9567}" type="datetimeFigureOut">
               <a:rPr lang="en-US" dirty="0"/>
               <a:pPr/>
-              <a:t>4/15/19</a:t>
+              <a:t>4/17/19</a:t>
             </a:fld>
             <a:endParaRPr lang="en-US"/>
           </a:p>
@@ -2616,7 +2616,7 @@
           <a:p>
             <a:fld id="{55C6B4A9-1611-4792-9094-5F34BCA07E0B}" type="datetimeFigureOut">
               <a:rPr lang="en-US" dirty="0"/>
-              <a:t>4/15/19</a:t>
+              <a:t>4/17/19</a:t>
             </a:fld>
             <a:endParaRPr lang="en-US"/>
           </a:p>
@@ -2792,7 +2792,7 @@
             <a:fld id="{B61BEF0D-F0BB-DE4B-95CE-6DB70DBA9567}" type="datetimeFigureOut">
               <a:rPr lang="en-US" dirty="0"/>
               <a:pPr/>
-              <a:t>4/15/19</a:t>
+              <a:t>4/17/19</a:t>
             </a:fld>
             <a:endParaRPr lang="en-US"/>
           </a:p>
@@ -2965,7 +2965,7 @@
             <a:fld id="{B61BEF0D-F0BB-DE4B-95CE-6DB70DBA9567}" type="datetimeFigureOut">
               <a:rPr lang="en-US" dirty="0"/>
               <a:pPr/>
-              <a:t>4/15/19</a:t>
+              <a:t>4/17/19</a:t>
             </a:fld>
             <a:endParaRPr lang="en-US"/>
           </a:p>
@@ -3209,7 +3209,7 @@
             <a:fld id="{B61BEF0D-F0BB-DE4B-95CE-6DB70DBA9567}" type="datetimeFigureOut">
               <a:rPr lang="en-US" dirty="0"/>
               <a:pPr/>
-              <a:t>4/15/19</a:t>
+              <a:t>4/17/19</a:t>
             </a:fld>
             <a:endParaRPr lang="en-US"/>
           </a:p>
@@ -3437,7 +3437,7 @@
           <a:p>
             <a:fld id="{EB712588-04B1-427B-82EE-E8DB90309F08}" type="datetimeFigureOut">
               <a:rPr lang="en-US" dirty="0"/>
-              <a:t>4/15/19</a:t>
+              <a:t>4/17/19</a:t>
             </a:fld>
             <a:endParaRPr lang="en-US"/>
           </a:p>
@@ -3807,7 +3807,7 @@
             <a:fld id="{B61BEF0D-F0BB-DE4B-95CE-6DB70DBA9567}" type="datetimeFigureOut">
               <a:rPr lang="en-US" dirty="0"/>
               <a:pPr/>
-              <a:t>4/15/19</a:t>
+              <a:t>4/17/19</a:t>
             </a:fld>
             <a:endParaRPr lang="en-US"/>
           </a:p>
@@ -3927,7 +3927,7 @@
             <a:fld id="{B61BEF0D-F0BB-DE4B-95CE-6DB70DBA9567}" type="datetimeFigureOut">
               <a:rPr lang="en-US" dirty="0"/>
               <a:pPr/>
-              <a:t>4/15/19</a:t>
+              <a:t>4/17/19</a:t>
             </a:fld>
             <a:endParaRPr lang="en-US"/>
           </a:p>
@@ -4019,7 +4019,7 @@
             <a:fld id="{B61BEF0D-F0BB-DE4B-95CE-6DB70DBA9567}" type="datetimeFigureOut">
               <a:rPr lang="en-US" dirty="0"/>
               <a:pPr/>
-              <a:t>4/15/19</a:t>
+              <a:t>4/17/19</a:t>
             </a:fld>
             <a:endParaRPr lang="en-US"/>
           </a:p>
@@ -4270,7 +4270,7 @@
           <a:p>
             <a:fld id="{42A54C80-263E-416B-A8E0-580EDEADCBDC}" type="datetimeFigureOut">
               <a:rPr lang="en-US" dirty="0"/>
-              <a:t>4/15/19</a:t>
+              <a:t>4/17/19</a:t>
             </a:fld>
             <a:endParaRPr lang="en-US"/>
           </a:p>
@@ -4529,7 +4529,7 @@
             <a:fld id="{B61BEF0D-F0BB-DE4B-95CE-6DB70DBA9567}" type="datetimeFigureOut">
               <a:rPr lang="en-US" dirty="0"/>
               <a:pPr/>
-              <a:t>4/15/19</a:t>
+              <a:t>4/17/19</a:t>
             </a:fld>
             <a:endParaRPr lang="en-US"/>
           </a:p>
@@ -5269,7 +5269,7 @@
             <a:fld id="{B61BEF0D-F0BB-DE4B-95CE-6DB70DBA9567}" type="datetimeFigureOut">
               <a:rPr lang="en-US" dirty="0"/>
               <a:pPr/>
-              <a:t>4/15/19</a:t>
+              <a:t>4/17/19</a:t>
             </a:fld>
             <a:endParaRPr lang="en-US"/>
           </a:p>
@@ -6657,6 +6657,94 @@
       </p:grpSpPr>
       <p:sp>
         <p:nvSpPr>
+          <p:cNvPr id="2" name="Titre 1">
+            <a:extLst>
+              <a:ext uri="{FF2B5EF4-FFF2-40B4-BE49-F238E27FC236}">
+                <a16:creationId xmlns:a16="http://schemas.microsoft.com/office/drawing/2014/main" id="{BB6E586B-7154-194B-BAF6-75E5C56F969B}"/>
+              </a:ext>
+            </a:extLst>
+          </p:cNvPr>
+          <p:cNvSpPr>
+            <a:spLocks noGrp="1"/>
+          </p:cNvSpPr>
+          <p:nvPr>
+            <p:ph type="title"/>
+          </p:nvPr>
+        </p:nvSpPr>
+        <p:spPr/>
+        <p:txBody>
+          <a:bodyPr/>
+          <a:lstStyle/>
+          <a:p>
+            <a:r>
+              <a:rPr lang="fr-FR" err="1"/>
+              <a:t>SplashScreen</a:t>
+            </a:r>
+            <a:endParaRPr lang="fr-FR"/>
+          </a:p>
+        </p:txBody>
+      </p:sp>
+      <p:pic>
+        <p:nvPicPr>
+          <p:cNvPr id="5" name="Image 4" descr="Une image contenant capture d’écran&#10;&#10;Description générée automatiquement">
+            <a:extLst>
+              <a:ext uri="{FF2B5EF4-FFF2-40B4-BE49-F238E27FC236}">
+                <a16:creationId xmlns:a16="http://schemas.microsoft.com/office/drawing/2014/main" id="{131980C8-DCD4-9B4F-B8C0-0A0E2C45A98B}"/>
+              </a:ext>
+            </a:extLst>
+          </p:cNvPr>
+          <p:cNvPicPr>
+            <a:picLocks noChangeAspect="1"/>
+          </p:cNvPicPr>
+          <p:nvPr/>
+        </p:nvPicPr>
+        <p:blipFill rotWithShape="1">
+          <a:blip r:embed="rId2"/>
+          <a:srcRect l="7640" t="17743" r="8661" b="15995"/>
+          <a:stretch/>
+        </p:blipFill>
+        <p:spPr>
+          <a:xfrm>
+            <a:off x="801134" y="1270000"/>
+            <a:ext cx="8472868" cy="4501213"/>
+          </a:xfrm>
+          <a:prstGeom prst="rect">
+            <a:avLst/>
+          </a:prstGeom>
+        </p:spPr>
+      </p:pic>
+    </p:spTree>
+    <p:extLst>
+      <p:ext uri="{BB962C8B-B14F-4D97-AF65-F5344CB8AC3E}">
+        <p14:creationId xmlns:p14="http://schemas.microsoft.com/office/powerpoint/2010/main" val="88965301"/>
+      </p:ext>
+    </p:extLst>
+  </p:cSld>
+  <p:clrMapOvr>
+    <a:masterClrMapping/>
+  </p:clrMapOvr>
+</p:sld>
+</file>
+
+<file path=ppt/slides/slide7.xml><?xml version="1.0" encoding="utf-8"?>
+<p:sld xmlns:a="http://schemas.openxmlformats.org/drawingml/2006/main" xmlns:r="http://schemas.openxmlformats.org/officeDocument/2006/relationships" xmlns:p="http://schemas.openxmlformats.org/presentationml/2006/main">
+  <p:cSld>
+    <p:spTree>
+      <p:nvGrpSpPr>
+        <p:cNvPr id="1" name=""/>
+        <p:cNvGrpSpPr/>
+        <p:nvPr/>
+      </p:nvGrpSpPr>
+      <p:grpSpPr>
+        <a:xfrm>
+          <a:off x="0" y="0"/>
+          <a:ext cx="0" cy="0"/>
+          <a:chOff x="0" y="0"/>
+          <a:chExt cx="0" cy="0"/>
+        </a:xfrm>
+      </p:grpSpPr>
+      <p:sp>
+        <p:nvSpPr>
           <p:cNvPr id="9" name="Titre 8">
             <a:extLst>
               <a:ext uri="{FF2B5EF4-FFF2-40B4-BE49-F238E27FC236}">
@@ -6785,7 +6873,7 @@
 </p:sld>
 </file>
 
-<file path=ppt/slides/slide7.xml><?xml version="1.0" encoding="utf-8"?>
+<file path=ppt/slides/slide8.xml><?xml version="1.0" encoding="utf-8"?>
 <p:sld xmlns:a="http://schemas.openxmlformats.org/drawingml/2006/main" xmlns:r="http://schemas.openxmlformats.org/officeDocument/2006/relationships" xmlns:p="http://schemas.openxmlformats.org/presentationml/2006/main">
   <p:cSld>
     <p:spTree>
@@ -6873,7 +6961,7 @@
 </p:sld>
 </file>
 
-<file path=ppt/slides/slide8.xml><?xml version="1.0" encoding="utf-8"?>
+<file path=ppt/slides/slide9.xml><?xml version="1.0" encoding="utf-8"?>
 <p:sld xmlns:a="http://schemas.openxmlformats.org/drawingml/2006/main" xmlns:r="http://schemas.openxmlformats.org/officeDocument/2006/relationships" xmlns:p="http://schemas.openxmlformats.org/presentationml/2006/main">
   <p:cSld>
     <p:spTree>
@@ -6988,94 +7076,6 @@
     <p:extLst>
       <p:ext uri="{BB962C8B-B14F-4D97-AF65-F5344CB8AC3E}">
         <p14:creationId xmlns:p14="http://schemas.microsoft.com/office/powerpoint/2010/main" val="225824535"/>
-      </p:ext>
-    </p:extLst>
-  </p:cSld>
-  <p:clrMapOvr>
-    <a:masterClrMapping/>
-  </p:clrMapOvr>
-</p:sld>
-</file>
-
-<file path=ppt/slides/slide9.xml><?xml version="1.0" encoding="utf-8"?>
-<p:sld xmlns:a="http://schemas.openxmlformats.org/drawingml/2006/main" xmlns:r="http://schemas.openxmlformats.org/officeDocument/2006/relationships" xmlns:p="http://schemas.openxmlformats.org/presentationml/2006/main">
-  <p:cSld>
-    <p:spTree>
-      <p:nvGrpSpPr>
-        <p:cNvPr id="1" name=""/>
-        <p:cNvGrpSpPr/>
-        <p:nvPr/>
-      </p:nvGrpSpPr>
-      <p:grpSpPr>
-        <a:xfrm>
-          <a:off x="0" y="0"/>
-          <a:ext cx="0" cy="0"/>
-          <a:chOff x="0" y="0"/>
-          <a:chExt cx="0" cy="0"/>
-        </a:xfrm>
-      </p:grpSpPr>
-      <p:sp>
-        <p:nvSpPr>
-          <p:cNvPr id="2" name="Titre 1">
-            <a:extLst>
-              <a:ext uri="{FF2B5EF4-FFF2-40B4-BE49-F238E27FC236}">
-                <a16:creationId xmlns:a16="http://schemas.microsoft.com/office/drawing/2014/main" id="{BB6E586B-7154-194B-BAF6-75E5C56F969B}"/>
-              </a:ext>
-            </a:extLst>
-          </p:cNvPr>
-          <p:cNvSpPr>
-            <a:spLocks noGrp="1"/>
-          </p:cNvSpPr>
-          <p:nvPr>
-            <p:ph type="title"/>
-          </p:nvPr>
-        </p:nvSpPr>
-        <p:spPr/>
-        <p:txBody>
-          <a:bodyPr/>
-          <a:lstStyle/>
-          <a:p>
-            <a:r>
-              <a:rPr lang="fr-FR" err="1"/>
-              <a:t>SplashScreen</a:t>
-            </a:r>
-            <a:endParaRPr lang="fr-FR"/>
-          </a:p>
-        </p:txBody>
-      </p:sp>
-      <p:pic>
-        <p:nvPicPr>
-          <p:cNvPr id="5" name="Image 4" descr="Une image contenant capture d’écran&#10;&#10;Description générée automatiquement">
-            <a:extLst>
-              <a:ext uri="{FF2B5EF4-FFF2-40B4-BE49-F238E27FC236}">
-                <a16:creationId xmlns:a16="http://schemas.microsoft.com/office/drawing/2014/main" id="{131980C8-DCD4-9B4F-B8C0-0A0E2C45A98B}"/>
-              </a:ext>
-            </a:extLst>
-          </p:cNvPr>
-          <p:cNvPicPr>
-            <a:picLocks noChangeAspect="1"/>
-          </p:cNvPicPr>
-          <p:nvPr/>
-        </p:nvPicPr>
-        <p:blipFill rotWithShape="1">
-          <a:blip r:embed="rId2"/>
-          <a:srcRect l="7640" t="17743" r="8661" b="15995"/>
-          <a:stretch/>
-        </p:blipFill>
-        <p:spPr>
-          <a:xfrm>
-            <a:off x="801134" y="1270000"/>
-            <a:ext cx="8472868" cy="4501213"/>
-          </a:xfrm>
-          <a:prstGeom prst="rect">
-            <a:avLst/>
-          </a:prstGeom>
-        </p:spPr>
-      </p:pic>
-    </p:spTree>
-    <p:extLst>
-      <p:ext uri="{BB962C8B-B14F-4D97-AF65-F5344CB8AC3E}">
-        <p14:creationId xmlns:p14="http://schemas.microsoft.com/office/powerpoint/2010/main" val="88965301"/>
       </p:ext>
     </p:extLst>
   </p:cSld>
